--- a/15 - Arquitetura de Negócio para cada Cenário .pptx
+++ b/15 - Arquitetura de Negócio para cada Cenário .pptx
@@ -200,7 +200,7 @@
           <a:p>
             <a:fld id="{258E502B-CFFF-4977-BA55-B253021E2457}" type="datetimeFigureOut">
               <a:rPr lang="pt-BR" smtClean="0"/>
-              <a:t>25/09/2020</a:t>
+              <a:t>08/11/2020</a:t>
             </a:fld>
             <a:endParaRPr lang="pt-BR"/>
           </a:p>
@@ -614,7 +614,7 @@
           <a:p>
             <a:fld id="{362C238F-AFC2-456F-A70E-2BEB777654C4}" type="datetimeFigureOut">
               <a:rPr lang="pt-BR" smtClean="0"/>
-              <a:t>25/09/2020</a:t>
+              <a:t>08/11/2020</a:t>
             </a:fld>
             <a:endParaRPr lang="pt-BR"/>
           </a:p>
@@ -812,7 +812,7 @@
           <a:p>
             <a:fld id="{362C238F-AFC2-456F-A70E-2BEB777654C4}" type="datetimeFigureOut">
               <a:rPr lang="pt-BR" smtClean="0"/>
-              <a:t>25/09/2020</a:t>
+              <a:t>08/11/2020</a:t>
             </a:fld>
             <a:endParaRPr lang="pt-BR"/>
           </a:p>
@@ -1020,7 +1020,7 @@
           <a:p>
             <a:fld id="{362C238F-AFC2-456F-A70E-2BEB777654C4}" type="datetimeFigureOut">
               <a:rPr lang="pt-BR" smtClean="0"/>
-              <a:t>25/09/2020</a:t>
+              <a:t>08/11/2020</a:t>
             </a:fld>
             <a:endParaRPr lang="pt-BR"/>
           </a:p>
@@ -1218,7 +1218,7 @@
           <a:p>
             <a:fld id="{362C238F-AFC2-456F-A70E-2BEB777654C4}" type="datetimeFigureOut">
               <a:rPr lang="pt-BR" smtClean="0"/>
-              <a:t>25/09/2020</a:t>
+              <a:t>08/11/2020</a:t>
             </a:fld>
             <a:endParaRPr lang="pt-BR"/>
           </a:p>
@@ -1493,7 +1493,7 @@
           <a:p>
             <a:fld id="{362C238F-AFC2-456F-A70E-2BEB777654C4}" type="datetimeFigureOut">
               <a:rPr lang="pt-BR" smtClean="0"/>
-              <a:t>25/09/2020</a:t>
+              <a:t>08/11/2020</a:t>
             </a:fld>
             <a:endParaRPr lang="pt-BR"/>
           </a:p>
@@ -1758,7 +1758,7 @@
           <a:p>
             <a:fld id="{362C238F-AFC2-456F-A70E-2BEB777654C4}" type="datetimeFigureOut">
               <a:rPr lang="pt-BR" smtClean="0"/>
-              <a:t>25/09/2020</a:t>
+              <a:t>08/11/2020</a:t>
             </a:fld>
             <a:endParaRPr lang="pt-BR"/>
           </a:p>
@@ -2170,7 +2170,7 @@
           <a:p>
             <a:fld id="{362C238F-AFC2-456F-A70E-2BEB777654C4}" type="datetimeFigureOut">
               <a:rPr lang="pt-BR" smtClean="0"/>
-              <a:t>25/09/2020</a:t>
+              <a:t>08/11/2020</a:t>
             </a:fld>
             <a:endParaRPr lang="pt-BR"/>
           </a:p>
@@ -2311,7 +2311,7 @@
           <a:p>
             <a:fld id="{362C238F-AFC2-456F-A70E-2BEB777654C4}" type="datetimeFigureOut">
               <a:rPr lang="pt-BR" smtClean="0"/>
-              <a:t>25/09/2020</a:t>
+              <a:t>08/11/2020</a:t>
             </a:fld>
             <a:endParaRPr lang="pt-BR"/>
           </a:p>
@@ -2424,7 +2424,7 @@
           <a:p>
             <a:fld id="{362C238F-AFC2-456F-A70E-2BEB777654C4}" type="datetimeFigureOut">
               <a:rPr lang="pt-BR" smtClean="0"/>
-              <a:t>25/09/2020</a:t>
+              <a:t>08/11/2020</a:t>
             </a:fld>
             <a:endParaRPr lang="pt-BR"/>
           </a:p>
@@ -2735,7 +2735,7 @@
           <a:p>
             <a:fld id="{362C238F-AFC2-456F-A70E-2BEB777654C4}" type="datetimeFigureOut">
               <a:rPr lang="pt-BR" smtClean="0"/>
-              <a:t>25/09/2020</a:t>
+              <a:t>08/11/2020</a:t>
             </a:fld>
             <a:endParaRPr lang="pt-BR"/>
           </a:p>
@@ -3023,7 +3023,7 @@
           <a:p>
             <a:fld id="{362C238F-AFC2-456F-A70E-2BEB777654C4}" type="datetimeFigureOut">
               <a:rPr lang="pt-BR" smtClean="0"/>
-              <a:t>25/09/2020</a:t>
+              <a:t>08/11/2020</a:t>
             </a:fld>
             <a:endParaRPr lang="pt-BR"/>
           </a:p>
@@ -3264,7 +3264,7 @@
           <a:p>
             <a:fld id="{362C238F-AFC2-456F-A70E-2BEB777654C4}" type="datetimeFigureOut">
               <a:rPr lang="pt-BR" smtClean="0"/>
-              <a:t>25/09/2020</a:t>
+              <a:t>08/11/2020</a:t>
             </a:fld>
             <a:endParaRPr lang="pt-BR"/>
           </a:p>
@@ -3758,7 +3758,7 @@
             <a:pPr algn="ctr"/>
             <a:r>
               <a:rPr lang="pt-BR" dirty="0"/>
-              <a:t>População</a:t>
+              <a:t>Cidadão</a:t>
             </a:r>
           </a:p>
         </p:txBody>
@@ -4258,7 +4258,7 @@
             <a:pPr algn="ctr"/>
             <a:r>
               <a:rPr lang="pt-BR" dirty="0"/>
-              <a:t>População</a:t>
+              <a:t>Cidadão</a:t>
             </a:r>
           </a:p>
         </p:txBody>
@@ -4793,7 +4793,7 @@
             <a:pPr algn="ctr"/>
             <a:r>
               <a:rPr lang="pt-BR" dirty="0"/>
-              <a:t>População</a:t>
+              <a:t>Cidadão</a:t>
             </a:r>
           </a:p>
         </p:txBody>
@@ -5279,14 +5279,7 @@
             <a:pPr algn="ctr"/>
             <a:r>
               <a:rPr lang="pt-BR" sz="1200" b="1" dirty="0"/>
-              <a:t>Tratar</a:t>
-            </a:r>
-          </a:p>
-          <a:p>
-            <a:pPr algn="ctr"/>
-            <a:r>
-              <a:rPr lang="pt-BR" sz="1200" b="1" dirty="0"/>
-              <a:t>Encaminhar ao  atendimento médico</a:t>
+              <a:t>Tratar Encaminhar ao  atendimento médico</a:t>
             </a:r>
             <a:endParaRPr lang="pt-BR" sz="1200" dirty="0"/>
           </a:p>
@@ -5336,7 +5329,7 @@
             <a:pPr algn="ctr"/>
             <a:r>
               <a:rPr lang="pt-BR" dirty="0"/>
-              <a:t>População</a:t>
+              <a:t>Cidadão</a:t>
             </a:r>
           </a:p>
         </p:txBody>
@@ -5397,8 +5390,8 @@
         </p:nvSpPr>
         <p:spPr>
           <a:xfrm>
-            <a:off x="6546167" y="2398066"/>
-            <a:ext cx="3610708" cy="2875670"/>
+            <a:off x="6546166" y="2398066"/>
+            <a:ext cx="5005367" cy="2875670"/>
           </a:xfrm>
           <a:prstGeom prst="roundRect">
             <a:avLst/>
@@ -5573,6 +5566,215 @@
         <p:spPr>
           <a:xfrm>
             <a:off x="8278464" y="3774026"/>
+            <a:ext cx="125136" cy="480663"/>
+          </a:xfrm>
+          <a:prstGeom prst="line">
+            <a:avLst/>
+          </a:prstGeom>
+        </p:spPr>
+        <p:style>
+          <a:lnRef idx="1">
+            <a:schemeClr val="accent1"/>
+          </a:lnRef>
+          <a:fillRef idx="0">
+            <a:schemeClr val="accent1"/>
+          </a:fillRef>
+          <a:effectRef idx="0">
+            <a:schemeClr val="accent1"/>
+          </a:effectRef>
+          <a:fontRef idx="minor">
+            <a:schemeClr val="tx1"/>
+          </a:fontRef>
+        </p:style>
+      </p:cxnSp>
+      <p:sp>
+        <p:nvSpPr>
+          <p:cNvPr id="2" name="Cubo 1">
+            <a:extLst>
+              <a:ext uri="{FF2B5EF4-FFF2-40B4-BE49-F238E27FC236}">
+                <a16:creationId xmlns:a16="http://schemas.microsoft.com/office/drawing/2014/main" id="{0E323927-3504-4482-9452-91755DCCB46B}"/>
+              </a:ext>
+            </a:extLst>
+          </p:cNvPr>
+          <p:cNvSpPr/>
+          <p:nvPr/>
+        </p:nvSpPr>
+        <p:spPr bwMode="auto">
+          <a:xfrm>
+            <a:off x="9187028" y="3189570"/>
+            <a:ext cx="1627447" cy="584456"/>
+          </a:xfrm>
+          <a:prstGeom prst="cube">
+            <a:avLst/>
+          </a:prstGeom>
+          <a:solidFill>
+            <a:srgbClr val="FFC000"/>
+          </a:solidFill>
+          <a:ln>
+            <a:headEnd type="none" w="med" len="med"/>
+            <a:tailEnd type="none" w="med" len="med"/>
+          </a:ln>
+        </p:spPr>
+        <p:style>
+          <a:lnRef idx="2">
+            <a:schemeClr val="accent1"/>
+          </a:lnRef>
+          <a:fillRef idx="1">
+            <a:schemeClr val="lt1"/>
+          </a:fillRef>
+          <a:effectRef idx="0">
+            <a:schemeClr val="accent1"/>
+          </a:effectRef>
+          <a:fontRef idx="minor">
+            <a:schemeClr val="dk1"/>
+          </a:fontRef>
+        </p:style>
+        <p:txBody>
+          <a:bodyPr vert="horz" wrap="square" lIns="91440" tIns="45720" rIns="91440" bIns="45720" numCol="1" rtlCol="0" anchor="t" anchorCtr="0" compatLnSpc="1">
+            <a:prstTxWarp prst="textNoShape">
+              <a:avLst/>
+            </a:prstTxWarp>
+          </a:bodyPr>
+          <a:lstStyle/>
+          <a:p>
+            <a:pPr algn="ctr"/>
+            <a:r>
+              <a:rPr lang="pt-BR" sz="1000" dirty="0"/>
+              <a:t>Consultório Médico</a:t>
+            </a:r>
+          </a:p>
+          <a:p>
+            <a:pPr algn="ctr"/>
+            <a:r>
+              <a:rPr lang="pt-BR" sz="1000" b="1" dirty="0"/>
+              <a:t>(Nó Operacional)</a:t>
+            </a:r>
+          </a:p>
+          <a:p>
+            <a:pPr marL="0" marR="0" indent="0" algn="l" defTabSz="914400" rtl="0" eaLnBrk="1" fontAlgn="base" latinLnBrk="0" hangingPunct="1">
+              <a:lnSpc>
+                <a:spcPct val="100000"/>
+              </a:lnSpc>
+              <a:spcBef>
+                <a:spcPct val="0"/>
+              </a:spcBef>
+              <a:spcAft>
+                <a:spcPct val="0"/>
+              </a:spcAft>
+              <a:buClrTx/>
+              <a:buSzTx/>
+              <a:buFontTx/>
+              <a:buNone/>
+              <a:tabLst/>
+            </a:pPr>
+            <a:endParaRPr kumimoji="0" lang="pt-BR" sz="1000" b="0" i="0" u="none" strike="noStrike" cap="none" normalizeH="0" baseline="0" dirty="0">
+              <a:ln>
+                <a:noFill/>
+              </a:ln>
+              <a:solidFill>
+                <a:srgbClr val="000000"/>
+              </a:solidFill>
+              <a:effectLst/>
+              <a:latin typeface="Gill Sans" charset="0"/>
+              <a:ea typeface="ヒラギノ角ゴ ProN W3" charset="0"/>
+              <a:cs typeface="ヒラギノ角ゴ ProN W3" charset="0"/>
+              <a:sym typeface="Gill Sans" charset="0"/>
+            </a:endParaRPr>
+          </a:p>
+        </p:txBody>
+      </p:sp>
+      <p:sp>
+        <p:nvSpPr>
+          <p:cNvPr id="3" name="Retângulo de cantos arredondados 111">
+            <a:extLst>
+              <a:ext uri="{FF2B5EF4-FFF2-40B4-BE49-F238E27FC236}">
+                <a16:creationId xmlns:a16="http://schemas.microsoft.com/office/drawing/2014/main" id="{EDA560EB-E87A-4F56-9110-AF27EEE5562E}"/>
+              </a:ext>
+            </a:extLst>
+          </p:cNvPr>
+          <p:cNvSpPr/>
+          <p:nvPr/>
+        </p:nvSpPr>
+        <p:spPr>
+          <a:xfrm>
+            <a:off x="9374254" y="4256690"/>
+            <a:ext cx="1523287" cy="690173"/>
+          </a:xfrm>
+          <a:prstGeom prst="roundRect">
+            <a:avLst/>
+          </a:prstGeom>
+          <a:scene3d>
+            <a:camera prst="orthographicFront">
+              <a:rot lat="0" lon="0" rev="0"/>
+            </a:camera>
+            <a:lightRig rig="contrasting" dir="t">
+              <a:rot lat="0" lon="0" rev="1200000"/>
+            </a:lightRig>
+          </a:scene3d>
+          <a:sp3d contourW="19050" prstMaterial="metal">
+            <a:bevelT w="88900" h="203200"/>
+            <a:bevelB w="165100" h="254000"/>
+          </a:sp3d>
+        </p:spPr>
+        <p:style>
+          <a:lnRef idx="0">
+            <a:schemeClr val="lt1">
+              <a:hueOff val="0"/>
+              <a:satOff val="0"/>
+              <a:lumOff val="0"/>
+              <a:alphaOff val="0"/>
+            </a:schemeClr>
+          </a:lnRef>
+          <a:fillRef idx="1">
+            <a:schemeClr val="accent6">
+              <a:hueOff val="0"/>
+              <a:satOff val="0"/>
+              <a:lumOff val="0"/>
+              <a:alphaOff val="0"/>
+            </a:schemeClr>
+          </a:fillRef>
+          <a:effectRef idx="1">
+            <a:schemeClr val="accent6">
+              <a:hueOff val="0"/>
+              <a:satOff val="0"/>
+              <a:lumOff val="0"/>
+              <a:alphaOff val="0"/>
+            </a:schemeClr>
+          </a:effectRef>
+          <a:fontRef idx="minor">
+            <a:schemeClr val="lt1"/>
+          </a:fontRef>
+        </p:style>
+        <p:txBody>
+          <a:bodyPr rtlCol="0" anchor="ctr"/>
+          <a:lstStyle/>
+          <a:p>
+            <a:pPr algn="ctr"/>
+            <a:r>
+              <a:rPr lang="pt-BR" sz="1200" b="1" dirty="0"/>
+              <a:t>Tratar Atender Paciente</a:t>
+            </a:r>
+            <a:endParaRPr lang="pt-BR" sz="1200" dirty="0"/>
+          </a:p>
+        </p:txBody>
+      </p:sp>
+      <p:cxnSp>
+        <p:nvCxnSpPr>
+          <p:cNvPr id="23" name="Conector reto 22">
+            <a:extLst>
+              <a:ext uri="{FF2B5EF4-FFF2-40B4-BE49-F238E27FC236}">
+                <a16:creationId xmlns:a16="http://schemas.microsoft.com/office/drawing/2014/main" id="{8C40D826-AD69-4C97-8343-B7F29FED7648}"/>
+              </a:ext>
+            </a:extLst>
+          </p:cNvPr>
+          <p:cNvCxnSpPr>
+            <a:cxnSpLocks/>
+          </p:cNvCxnSpPr>
+          <p:nvPr/>
+        </p:nvCxnSpPr>
+        <p:spPr>
+          <a:xfrm>
+            <a:off x="10073329" y="3767794"/>
             <a:ext cx="125136" cy="480663"/>
           </a:xfrm>
           <a:prstGeom prst="line">
